--- a/curso/modulo3capitulo1.pptx
+++ b/curso/modulo3capitulo1.pptx
@@ -13,13 +13,14 @@
     <p:sldId id="288" r:id="rId8"/>
     <p:sldId id="290" r:id="rId9"/>
     <p:sldId id="291" r:id="rId10"/>
-    <p:sldId id="292" r:id="rId11"/>
-    <p:sldId id="293" r:id="rId12"/>
-    <p:sldId id="294" r:id="rId13"/>
-    <p:sldId id="295" r:id="rId14"/>
-    <p:sldId id="296" r:id="rId15"/>
-    <p:sldId id="297" r:id="rId16"/>
-    <p:sldId id="298" r:id="rId17"/>
+    <p:sldId id="301" r:id="rId11"/>
+    <p:sldId id="292" r:id="rId12"/>
+    <p:sldId id="293" r:id="rId13"/>
+    <p:sldId id="294" r:id="rId14"/>
+    <p:sldId id="295" r:id="rId15"/>
+    <p:sldId id="296" r:id="rId16"/>
+    <p:sldId id="297" r:id="rId17"/>
+    <p:sldId id="298" r:id="rId18"/>
   </p:sldIdLst>
   <p:sldSz cx="9144000" cy="6858000" type="screen4x3"/>
   <p:notesSz cx="6858000" cy="9144000"/>
@@ -3777,6 +3778,144 @@
           </a:p>
         </p:txBody>
       </p:sp>
+      <p:sp>
+        <p:nvSpPr>
+          <p:cNvPr id="3" name="Content Placeholder 2"/>
+          <p:cNvSpPr>
+            <a:spLocks noGrp="1"/>
+          </p:cNvSpPr>
+          <p:nvPr>
+            <p:ph idx="1"/>
+          </p:nvPr>
+        </p:nvSpPr>
+        <p:spPr/>
+        <p:txBody>
+          <a:bodyPr/>
+          <a:p>
+            <a:r>
+              <a:rPr lang="x-none" altLang="pt-BR"/>
+              <a:t>Em meados de 1960, surgiram os primeiros </a:t>
+            </a:r>
+            <a:r>
+              <a:rPr lang="x-none" altLang="pt-BR">
+                <a:solidFill>
+                  <a:srgbClr val="92D050"/>
+                </a:solidFill>
+              </a:rPr>
+              <a:t>DBMSs</a:t>
+            </a:r>
+            <a:r>
+              <a:rPr lang="x-none" altLang="pt-BR"/>
+              <a:t> ou </a:t>
+            </a:r>
+            <a:r>
+              <a:rPr lang="x-none" altLang="pt-BR">
+                <a:solidFill>
+                  <a:srgbClr val="92D050"/>
+                </a:solidFill>
+              </a:rPr>
+              <a:t>SGBDs</a:t>
+            </a:r>
+            <a:endParaRPr lang="x-none" altLang="pt-BR">
+              <a:solidFill>
+                <a:srgbClr val="92D050"/>
+              </a:solidFill>
+            </a:endParaRPr>
+          </a:p>
+          <a:p>
+            <a:pPr lvl="1"/>
+            <a:r>
+              <a:rPr lang="x-none" altLang="pt-BR" sz="2600">
+                <a:solidFill>
+                  <a:srgbClr val="92D050"/>
+                </a:solidFill>
+              </a:rPr>
+              <a:t>DBMS = Data Base Management System</a:t>
+            </a:r>
+            <a:endParaRPr lang="x-none" altLang="pt-BR" sz="2600">
+              <a:solidFill>
+                <a:srgbClr val="92D050"/>
+              </a:solidFill>
+            </a:endParaRPr>
+          </a:p>
+          <a:p>
+            <a:pPr lvl="1"/>
+            <a:r>
+              <a:rPr lang="x-none" altLang="pt-BR">
+                <a:solidFill>
+                  <a:srgbClr val="92D050"/>
+                </a:solidFill>
+              </a:rPr>
+              <a:t>SGBD = Sistema Gerenciador de Banco de Dados</a:t>
+            </a:r>
+            <a:endParaRPr lang="x-none" altLang="pt-BR">
+              <a:solidFill>
+                <a:srgbClr val="92D050"/>
+              </a:solidFill>
+            </a:endParaRPr>
+          </a:p>
+          <a:p>
+            <a:pPr lvl="0"/>
+            <a:r>
+              <a:rPr lang="x-none" altLang="pt-BR"/>
+              <a:t>Um SGBD é um sistema que </a:t>
+            </a:r>
+            <a:r>
+              <a:rPr lang="x-none" altLang="pt-BR">
+                <a:solidFill>
+                  <a:srgbClr val="92D050"/>
+                </a:solidFill>
+              </a:rPr>
+              <a:t>armazena e organiza automaticamente os dados</a:t>
+            </a:r>
+            <a:r>
+              <a:rPr lang="x-none" altLang="pt-BR"/>
+              <a:t>, da melhor forma possível</a:t>
+            </a:r>
+            <a:endParaRPr lang="x-none" altLang="pt-BR"/>
+          </a:p>
+        </p:txBody>
+      </p:sp>
+    </p:spTree>
+  </p:cSld>
+  <p:clrMapOvr>
+    <a:masterClrMapping/>
+  </p:clrMapOvr>
+</p:sld>
+</file>
+
+<file path=ppt/slides/slide11.xml><?xml version="1.0" encoding="utf-8"?>
+<p:sld xmlns:a="http://schemas.openxmlformats.org/drawingml/2006/main" xmlns:r="http://schemas.openxmlformats.org/officeDocument/2006/relationships" xmlns:p="http://schemas.openxmlformats.org/presentationml/2006/main">
+  <p:cSld>
+    <p:spTree>
+      <p:nvGrpSpPr>
+        <p:cNvPr id="1" name=""/>
+        <p:cNvGrpSpPr/>
+        <p:nvPr/>
+      </p:nvGrpSpPr>
+      <p:grpSpPr/>
+      <p:sp>
+        <p:nvSpPr>
+          <p:cNvPr id="2" name="Title 1"/>
+          <p:cNvSpPr>
+            <a:spLocks noGrp="1"/>
+          </p:cNvSpPr>
+          <p:nvPr>
+            <p:ph type="title"/>
+          </p:nvPr>
+        </p:nvSpPr>
+        <p:spPr/>
+        <p:txBody>
+          <a:bodyPr/>
+          <a:p>
+            <a:r>
+              <a:rPr lang="x-none" altLang="pt-BR"/>
+              <a:t>Necessidade de Armazenar</a:t>
+            </a:r>
+            <a:endParaRPr lang="x-none" altLang="pt-BR"/>
+          </a:p>
+        </p:txBody>
+      </p:sp>
       <p:pic>
         <p:nvPicPr>
           <p:cNvPr id="4" name="Content Placeholder 3"/>
@@ -3811,152 +3950,6 @@
 </p:sld>
 </file>
 
-<file path=ppt/slides/slide11.xml><?xml version="1.0" encoding="utf-8"?>
-<p:sld xmlns:a="http://schemas.openxmlformats.org/drawingml/2006/main" xmlns:r="http://schemas.openxmlformats.org/officeDocument/2006/relationships" xmlns:p="http://schemas.openxmlformats.org/presentationml/2006/main">
-  <p:cSld>
-    <p:spTree>
-      <p:nvGrpSpPr>
-        <p:cNvPr id="1" name=""/>
-        <p:cNvGrpSpPr/>
-        <p:nvPr/>
-      </p:nvGrpSpPr>
-      <p:grpSpPr/>
-      <p:sp>
-        <p:nvSpPr>
-          <p:cNvPr id="2" name="Title 1"/>
-          <p:cNvSpPr>
-            <a:spLocks noGrp="1"/>
-          </p:cNvSpPr>
-          <p:nvPr>
-            <p:ph type="title"/>
-          </p:nvPr>
-        </p:nvSpPr>
-        <p:spPr/>
-        <p:txBody>
-          <a:bodyPr/>
-          <a:p>
-            <a:r>
-              <a:rPr lang="x-none" altLang="pt-BR"/>
-              <a:t>Necessidade de Armazenar</a:t>
-            </a:r>
-            <a:endParaRPr lang="x-none" altLang="pt-BR"/>
-          </a:p>
-        </p:txBody>
-      </p:sp>
-      <p:sp>
-        <p:nvSpPr>
-          <p:cNvPr id="3" name="Content Placeholder 2"/>
-          <p:cNvSpPr>
-            <a:spLocks noGrp="1"/>
-          </p:cNvSpPr>
-          <p:nvPr>
-            <p:ph idx="1"/>
-          </p:nvPr>
-        </p:nvSpPr>
-        <p:spPr/>
-        <p:txBody>
-          <a:bodyPr/>
-          <a:p>
-            <a:r>
-              <a:rPr lang="x-none" altLang="pt-BR"/>
-              <a:t>Em 1973, a IBM criou o </a:t>
-            </a:r>
-            <a:r>
-              <a:rPr lang="x-none" altLang="pt-BR">
-                <a:solidFill>
-                  <a:srgbClr val="92D050"/>
-                </a:solidFill>
-              </a:rPr>
-              <a:t>Modelo Relacional</a:t>
-            </a:r>
-            <a:r>
-              <a:rPr lang="x-none" altLang="pt-BR"/>
-              <a:t>, um conceito revolucionário</a:t>
-            </a:r>
-            <a:endParaRPr lang="x-none" altLang="pt-BR"/>
-          </a:p>
-          <a:p>
-            <a:r>
-              <a:rPr lang="x-none" altLang="pt-BR"/>
-              <a:t>Bancos de dados tornam-se muito mais </a:t>
-            </a:r>
-            <a:r>
-              <a:rPr lang="x-none" altLang="pt-BR">
-                <a:solidFill>
-                  <a:srgbClr val="92D050"/>
-                </a:solidFill>
-              </a:rPr>
-              <a:t>simples</a:t>
-            </a:r>
-            <a:endParaRPr lang="x-none" altLang="pt-BR">
-              <a:solidFill>
-                <a:srgbClr val="92D050"/>
-              </a:solidFill>
-            </a:endParaRPr>
-          </a:p>
-          <a:p>
-            <a:r>
-              <a:rPr lang="x-none" altLang="pt-BR"/>
-              <a:t>Dados podem ser </a:t>
-            </a:r>
-            <a:r>
-              <a:rPr lang="x-none" altLang="pt-BR">
-                <a:solidFill>
-                  <a:srgbClr val="92D050"/>
-                </a:solidFill>
-              </a:rPr>
-              <a:t>cruzados </a:t>
-            </a:r>
-            <a:r>
-              <a:rPr lang="x-none" altLang="pt-BR"/>
-              <a:t>de muitas formas diferentes</a:t>
-            </a:r>
-            <a:endParaRPr lang="x-none" altLang="pt-BR"/>
-          </a:p>
-          <a:p>
-            <a:r>
-              <a:rPr lang="x-none" altLang="pt-BR"/>
-              <a:t>Em 1976, o conceito evoluiu para </a:t>
-            </a:r>
-            <a:r>
-              <a:rPr lang="x-none" altLang="pt-BR">
-                <a:solidFill>
-                  <a:srgbClr val="92D050"/>
-                </a:solidFill>
-              </a:rPr>
-              <a:t>Modelo Entidade-Relacionamento</a:t>
-            </a:r>
-            <a:r>
-              <a:rPr lang="x-none" altLang="pt-BR"/>
-              <a:t>, ou simplesmente </a:t>
-            </a:r>
-            <a:r>
-              <a:rPr lang="x-none" altLang="pt-BR">
-                <a:solidFill>
-                  <a:srgbClr val="92D050"/>
-                </a:solidFill>
-              </a:rPr>
-              <a:t>ER</a:t>
-            </a:r>
-            <a:endParaRPr lang="x-none" altLang="pt-BR">
-              <a:solidFill>
-                <a:srgbClr val="92D050"/>
-              </a:solidFill>
-            </a:endParaRPr>
-          </a:p>
-          <a:p>
-            <a:endParaRPr lang="x-none" altLang="pt-BR"/>
-          </a:p>
-        </p:txBody>
-      </p:sp>
-    </p:spTree>
-  </p:cSld>
-  <p:clrMapOvr>
-    <a:masterClrMapping/>
-  </p:clrMapOvr>
-</p:sld>
-</file>
-
 <file path=ppt/slides/slide12.xml><?xml version="1.0" encoding="utf-8"?>
 <p:sld xmlns:a="http://schemas.openxmlformats.org/drawingml/2006/main" xmlns:r="http://schemas.openxmlformats.org/officeDocument/2006/relationships" xmlns:p="http://schemas.openxmlformats.org/presentationml/2006/main">
   <p:cSld>
@@ -4005,14 +3998,7 @@
           <a:p>
             <a:r>
               <a:rPr lang="x-none" altLang="pt-BR"/>
-              <a:t>Oracle começou a comercializar a tecnologia em 1979</a:t>
-            </a:r>
-            <a:endParaRPr lang="x-none" altLang="pt-BR"/>
-          </a:p>
-          <a:p>
-            <a:r>
-              <a:rPr lang="x-none" altLang="pt-BR"/>
-              <a:t>Em 1981, a IBM lançou a linguagem </a:t>
+              <a:t>Em 1973, a IBM criou o </a:t>
             </a:r>
             <a:r>
               <a:rPr lang="x-none" altLang="pt-BR">
@@ -4020,23 +4006,26 @@
                   <a:srgbClr val="92D050"/>
                 </a:solidFill>
               </a:rPr>
-              <a:t>SQL </a:t>
-            </a:r>
-            <a:r>
-              <a:rPr lang="x-none" altLang="pt-BR"/>
-              <a:t>para manipulação de dados em bancos de dados relacionais</a:t>
+              <a:t>Modelo Relacional</a:t>
+            </a:r>
+            <a:r>
+              <a:rPr lang="x-none" altLang="pt-BR"/>
+              <a:t>, um conceito revolucionário</a:t>
             </a:r>
             <a:endParaRPr lang="x-none" altLang="pt-BR"/>
           </a:p>
           <a:p>
-            <a:pPr lvl="1"/>
+            <a:r>
+              <a:rPr lang="x-none" altLang="pt-BR"/>
+              <a:t>Bancos de dados tornam-se muito mais </a:t>
+            </a:r>
             <a:r>
               <a:rPr lang="x-none" altLang="pt-BR">
                 <a:solidFill>
                   <a:srgbClr val="92D050"/>
                 </a:solidFill>
               </a:rPr>
-              <a:t>SQL = Structured Query Language</a:t>
+              <a:t>simples</a:t>
             </a:r>
             <a:endParaRPr lang="x-none" altLang="pt-BR">
               <a:solidFill>
@@ -4045,11 +4034,56 @@
             </a:endParaRPr>
           </a:p>
           <a:p>
-            <a:pPr lvl="0"/>
-            <a:r>
-              <a:rPr lang="x-none" altLang="pt-BR"/>
-              <a:t>Hoje em dia, bancos de dados relacionais são a forma dominante de armazenamento digital no mundo todo</a:t>
-            </a:r>
+            <a:r>
+              <a:rPr lang="x-none" altLang="pt-BR"/>
+              <a:t>Dados podem ser </a:t>
+            </a:r>
+            <a:r>
+              <a:rPr lang="x-none" altLang="pt-BR">
+                <a:solidFill>
+                  <a:srgbClr val="92D050"/>
+                </a:solidFill>
+              </a:rPr>
+              <a:t>cruzados </a:t>
+            </a:r>
+            <a:r>
+              <a:rPr lang="x-none" altLang="pt-BR"/>
+              <a:t>de muitas formas diferentes</a:t>
+            </a:r>
+            <a:endParaRPr lang="x-none" altLang="pt-BR"/>
+          </a:p>
+          <a:p>
+            <a:r>
+              <a:rPr lang="x-none" altLang="pt-BR"/>
+              <a:t>Em 1976, o conceito evoluiu para </a:t>
+            </a:r>
+            <a:r>
+              <a:rPr lang="x-none" altLang="pt-BR">
+                <a:solidFill>
+                  <a:srgbClr val="92D050"/>
+                </a:solidFill>
+              </a:rPr>
+              <a:t>Modelo Entidade-Relacionamento</a:t>
+            </a:r>
+            <a:r>
+              <a:rPr lang="x-none" altLang="pt-BR"/>
+              <a:t>, ou simplesmente </a:t>
+            </a:r>
+            <a:r>
+              <a:rPr lang="x-none" altLang="pt-BR">
+                <a:solidFill>
+                  <a:srgbClr val="92D050"/>
+                </a:solidFill>
+              </a:rPr>
+              <a:t>ER</a:t>
+            </a:r>
+            <a:endParaRPr lang="x-none" altLang="pt-BR">
+              <a:solidFill>
+                <a:srgbClr val="92D050"/>
+              </a:solidFill>
+            </a:endParaRPr>
+          </a:p>
+          <a:p>
             <a:endParaRPr lang="x-none" altLang="pt-BR"/>
           </a:p>
         </p:txBody>
@@ -4063,6 +4097,111 @@
 </file>
 
 <file path=ppt/slides/slide13.xml><?xml version="1.0" encoding="utf-8"?>
+<p:sld xmlns:a="http://schemas.openxmlformats.org/drawingml/2006/main" xmlns:r="http://schemas.openxmlformats.org/officeDocument/2006/relationships" xmlns:p="http://schemas.openxmlformats.org/presentationml/2006/main">
+  <p:cSld>
+    <p:spTree>
+      <p:nvGrpSpPr>
+        <p:cNvPr id="1" name=""/>
+        <p:cNvGrpSpPr/>
+        <p:nvPr/>
+      </p:nvGrpSpPr>
+      <p:grpSpPr/>
+      <p:sp>
+        <p:nvSpPr>
+          <p:cNvPr id="2" name="Title 1"/>
+          <p:cNvSpPr>
+            <a:spLocks noGrp="1"/>
+          </p:cNvSpPr>
+          <p:nvPr>
+            <p:ph type="title"/>
+          </p:nvPr>
+        </p:nvSpPr>
+        <p:spPr/>
+        <p:txBody>
+          <a:bodyPr/>
+          <a:p>
+            <a:r>
+              <a:rPr lang="x-none" altLang="pt-BR"/>
+              <a:t>Necessidade de Armazenar</a:t>
+            </a:r>
+            <a:endParaRPr lang="x-none" altLang="pt-BR"/>
+          </a:p>
+        </p:txBody>
+      </p:sp>
+      <p:sp>
+        <p:nvSpPr>
+          <p:cNvPr id="3" name="Content Placeholder 2"/>
+          <p:cNvSpPr>
+            <a:spLocks noGrp="1"/>
+          </p:cNvSpPr>
+          <p:nvPr>
+            <p:ph idx="1"/>
+          </p:nvPr>
+        </p:nvSpPr>
+        <p:spPr/>
+        <p:txBody>
+          <a:bodyPr/>
+          <a:p>
+            <a:r>
+              <a:rPr lang="x-none" altLang="pt-BR"/>
+              <a:t>Oracle começou a comercializar a tecnologia em 1979</a:t>
+            </a:r>
+            <a:endParaRPr lang="x-none" altLang="pt-BR"/>
+          </a:p>
+          <a:p>
+            <a:r>
+              <a:rPr lang="x-none" altLang="pt-BR"/>
+              <a:t>Em 1981, a IBM lançou a linguagem </a:t>
+            </a:r>
+            <a:r>
+              <a:rPr lang="x-none" altLang="pt-BR">
+                <a:solidFill>
+                  <a:srgbClr val="92D050"/>
+                </a:solidFill>
+              </a:rPr>
+              <a:t>SQL </a:t>
+            </a:r>
+            <a:r>
+              <a:rPr lang="x-none" altLang="pt-BR"/>
+              <a:t>para manipulação de dados em bancos de dados relacionais</a:t>
+            </a:r>
+            <a:endParaRPr lang="x-none" altLang="pt-BR"/>
+          </a:p>
+          <a:p>
+            <a:pPr lvl="1"/>
+            <a:r>
+              <a:rPr lang="x-none" altLang="pt-BR">
+                <a:solidFill>
+                  <a:srgbClr val="92D050"/>
+                </a:solidFill>
+              </a:rPr>
+              <a:t>SQL = Structured Query Language</a:t>
+            </a:r>
+            <a:endParaRPr lang="x-none" altLang="pt-BR">
+              <a:solidFill>
+                <a:srgbClr val="92D050"/>
+              </a:solidFill>
+            </a:endParaRPr>
+          </a:p>
+          <a:p>
+            <a:pPr lvl="0"/>
+            <a:r>
+              <a:rPr lang="x-none" altLang="pt-BR"/>
+              <a:t>Hoje em dia, bancos de dados relacionais são a forma dominante de armazenamento digital no mundo todo</a:t>
+            </a:r>
+            <a:endParaRPr lang="x-none" altLang="pt-BR"/>
+          </a:p>
+        </p:txBody>
+      </p:sp>
+    </p:spTree>
+  </p:cSld>
+  <p:clrMapOvr>
+    <a:masterClrMapping/>
+  </p:clrMapOvr>
+</p:sld>
+</file>
+
+<file path=ppt/slides/slide14.xml><?xml version="1.0" encoding="utf-8"?>
 <p:sld xmlns:a="http://schemas.openxmlformats.org/drawingml/2006/main" xmlns:r="http://schemas.openxmlformats.org/officeDocument/2006/relationships" xmlns:p="http://schemas.openxmlformats.org/presentationml/2006/main">
   <p:cSld>
     <p:spTree>
@@ -4128,7 +4267,7 @@
 </p:sld>
 </file>
 
-<file path=ppt/slides/slide14.xml><?xml version="1.0" encoding="utf-8"?>
+<file path=ppt/slides/slide15.xml><?xml version="1.0" encoding="utf-8"?>
 <p:sld xmlns:a="http://schemas.openxmlformats.org/drawingml/2006/main" xmlns:r="http://schemas.openxmlformats.org/officeDocument/2006/relationships" xmlns:p="http://schemas.openxmlformats.org/presentationml/2006/main">
   <p:cSld>
     <p:spTree>
@@ -4266,7 +4405,7 @@
 </p:sld>
 </file>
 
-<file path=ppt/slides/slide15.xml><?xml version="1.0" encoding="utf-8"?>
+<file path=ppt/slides/slide16.xml><?xml version="1.0" encoding="utf-8"?>
 <p:sld xmlns:a="http://schemas.openxmlformats.org/drawingml/2006/main" xmlns:r="http://schemas.openxmlformats.org/officeDocument/2006/relationships" xmlns:p="http://schemas.openxmlformats.org/presentationml/2006/main">
   <p:cSld>
     <p:spTree>
@@ -5082,104 +5221,32 @@
           </a:p>
         </p:txBody>
       </p:sp>
-      <p:sp>
-        <p:nvSpPr>
-          <p:cNvPr id="3" name="Content Placeholder 2"/>
-          <p:cNvSpPr>
-            <a:spLocks noGrp="1"/>
-          </p:cNvSpPr>
+      <p:pic>
+        <p:nvPicPr>
+          <p:cNvPr id="4" name="Content Placeholder 3"/>
+          <p:cNvPicPr>
+            <a:picLocks noChangeAspect="1"/>
+          </p:cNvPicPr>
           <p:nvPr>
             <p:ph idx="1"/>
           </p:nvPr>
-        </p:nvSpPr>
-        <p:spPr/>
-        <p:txBody>
-          <a:bodyPr/>
-          <a:p>
-            <a:r>
-              <a:rPr lang="x-none" altLang="pt-BR"/>
-              <a:t>Em meados de 1960, surgiram os primeiros </a:t>
-            </a:r>
-            <a:r>
-              <a:rPr lang="x-none" altLang="pt-BR">
-                <a:solidFill>
-                  <a:srgbClr val="92D050"/>
-                </a:solidFill>
-              </a:rPr>
-              <a:t>DBMSs</a:t>
-            </a:r>
-            <a:r>
-              <a:rPr lang="x-none" altLang="pt-BR"/>
-              <a:t> ou </a:t>
-            </a:r>
-            <a:r>
-              <a:rPr lang="x-none" altLang="pt-BR">
-                <a:solidFill>
-                  <a:srgbClr val="92D050"/>
-                </a:solidFill>
-              </a:rPr>
-              <a:t>SGBDs</a:t>
-            </a:r>
-            <a:endParaRPr lang="x-none" altLang="pt-BR">
-              <a:solidFill>
-                <a:srgbClr val="92D050"/>
-              </a:solidFill>
-            </a:endParaRPr>
-          </a:p>
-          <a:p>
-            <a:pPr lvl="1"/>
-            <a:r>
-              <a:rPr lang="x-none" altLang="pt-BR" sz="2600">
-                <a:solidFill>
-                  <a:srgbClr val="92D050"/>
-                </a:solidFill>
-              </a:rPr>
-              <a:t>DBMS = Data Base Management System</a:t>
-            </a:r>
-            <a:endParaRPr lang="x-none" altLang="pt-BR" sz="2600">
-              <a:solidFill>
-                <a:srgbClr val="92D050"/>
-              </a:solidFill>
-            </a:endParaRPr>
-          </a:p>
-          <a:p>
-            <a:pPr lvl="1"/>
-            <a:r>
-              <a:rPr lang="x-none" altLang="pt-BR">
-                <a:solidFill>
-                  <a:srgbClr val="92D050"/>
-                </a:solidFill>
-              </a:rPr>
-              <a:t>SGBD = Sistema Gerenciador de Banco de Dados</a:t>
-            </a:r>
-            <a:endParaRPr lang="x-none" altLang="pt-BR">
-              <a:solidFill>
-                <a:srgbClr val="92D050"/>
-              </a:solidFill>
-            </a:endParaRPr>
-          </a:p>
-          <a:p>
-            <a:pPr lvl="0"/>
-            <a:r>
-              <a:rPr lang="x-none" altLang="pt-BR"/>
-              <a:t>Um SGBD é um sistema que </a:t>
-            </a:r>
-            <a:r>
-              <a:rPr lang="x-none" altLang="pt-BR">
-                <a:solidFill>
-                  <a:srgbClr val="92D050"/>
-                </a:solidFill>
-              </a:rPr>
-              <a:t>armazena e organiza automaticamente os dados</a:t>
-            </a:r>
-            <a:r>
-              <a:rPr lang="x-none" altLang="pt-BR"/>
-              <a:t>, da melhor forma possível</a:t>
-            </a:r>
-            <a:endParaRPr lang="x-none" altLang="pt-BR"/>
-          </a:p>
-        </p:txBody>
-      </p:sp>
+        </p:nvPicPr>
+        <p:blipFill>
+          <a:blip r:embed="rId1"/>
+          <a:stretch>
+            <a:fillRect/>
+          </a:stretch>
+        </p:blipFill>
+        <p:spPr>
+          <a:xfrm>
+            <a:off x="1259840" y="1628775"/>
+            <a:ext cx="6525260" cy="4893945"/>
+          </a:xfrm>
+          <a:prstGeom prst="rect">
+            <a:avLst/>
+          </a:prstGeom>
+        </p:spPr>
+      </p:pic>
     </p:spTree>
   </p:cSld>
   <p:clrMapOvr>
